--- a/trayBlicket/vid/video.pptx
+++ b/trayBlicket/vid/video.pptx
@@ -267,7 +267,7 @@
           <a:p>
             <a:fld id="{9EB068E3-0723-794D-A883-57A22A38AD8D}" type="datetimeFigureOut">
               <a:rPr lang="en-CA" smtClean="0"/>
-              <a:t>2021-03-23</a:t>
+              <a:t>2022-08-17</a:t>
             </a:fld>
             <a:endParaRPr lang="en-CA"/>
           </a:p>
@@ -475,7 +475,7 @@
           <a:p>
             <a:fld id="{9EB068E3-0723-794D-A883-57A22A38AD8D}" type="datetimeFigureOut">
               <a:rPr lang="en-CA" smtClean="0"/>
-              <a:t>2021-03-23</a:t>
+              <a:t>2022-08-17</a:t>
             </a:fld>
             <a:endParaRPr lang="en-CA"/>
           </a:p>
@@ -693,7 +693,7 @@
           <a:p>
             <a:fld id="{9EB068E3-0723-794D-A883-57A22A38AD8D}" type="datetimeFigureOut">
               <a:rPr lang="en-CA" smtClean="0"/>
-              <a:t>2021-03-23</a:t>
+              <a:t>2022-08-17</a:t>
             </a:fld>
             <a:endParaRPr lang="en-CA"/>
           </a:p>
@@ -901,7 +901,7 @@
           <a:p>
             <a:fld id="{9EB068E3-0723-794D-A883-57A22A38AD8D}" type="datetimeFigureOut">
               <a:rPr lang="en-CA" smtClean="0"/>
-              <a:t>2021-03-23</a:t>
+              <a:t>2022-08-17</a:t>
             </a:fld>
             <a:endParaRPr lang="en-CA"/>
           </a:p>
@@ -1185,7 +1185,7 @@
           <a:p>
             <a:fld id="{9EB068E3-0723-794D-A883-57A22A38AD8D}" type="datetimeFigureOut">
               <a:rPr lang="en-CA" smtClean="0"/>
-              <a:t>2021-03-23</a:t>
+              <a:t>2022-08-17</a:t>
             </a:fld>
             <a:endParaRPr lang="en-CA"/>
           </a:p>
@@ -1461,7 +1461,7 @@
           <a:p>
             <a:fld id="{9EB068E3-0723-794D-A883-57A22A38AD8D}" type="datetimeFigureOut">
               <a:rPr lang="en-CA" smtClean="0"/>
-              <a:t>2021-03-23</a:t>
+              <a:t>2022-08-17</a:t>
             </a:fld>
             <a:endParaRPr lang="en-CA"/>
           </a:p>
@@ -1884,7 +1884,7 @@
           <a:p>
             <a:fld id="{9EB068E3-0723-794D-A883-57A22A38AD8D}" type="datetimeFigureOut">
               <a:rPr lang="en-CA" smtClean="0"/>
-              <a:t>2021-03-23</a:t>
+              <a:t>2022-08-17</a:t>
             </a:fld>
             <a:endParaRPr lang="en-CA"/>
           </a:p>
@@ -2034,7 +2034,7 @@
           <a:p>
             <a:fld id="{9EB068E3-0723-794D-A883-57A22A38AD8D}" type="datetimeFigureOut">
               <a:rPr lang="en-CA" smtClean="0"/>
-              <a:t>2021-03-23</a:t>
+              <a:t>2022-08-17</a:t>
             </a:fld>
             <a:endParaRPr lang="en-CA"/>
           </a:p>
@@ -2155,7 +2155,7 @@
           <a:p>
             <a:fld id="{9EB068E3-0723-794D-A883-57A22A38AD8D}" type="datetimeFigureOut">
               <a:rPr lang="en-CA" smtClean="0"/>
-              <a:t>2021-03-23</a:t>
+              <a:t>2022-08-17</a:t>
             </a:fld>
             <a:endParaRPr lang="en-CA"/>
           </a:p>
@@ -2476,7 +2476,7 @@
           <a:p>
             <a:fld id="{9EB068E3-0723-794D-A883-57A22A38AD8D}" type="datetimeFigureOut">
               <a:rPr lang="en-CA" smtClean="0"/>
-              <a:t>2021-03-23</a:t>
+              <a:t>2022-08-17</a:t>
             </a:fld>
             <a:endParaRPr lang="en-CA"/>
           </a:p>
@@ -2773,7 +2773,7 @@
           <a:p>
             <a:fld id="{9EB068E3-0723-794D-A883-57A22A38AD8D}" type="datetimeFigureOut">
               <a:rPr lang="en-CA" smtClean="0"/>
-              <a:t>2021-03-23</a:t>
+              <a:t>2022-08-17</a:t>
             </a:fld>
             <a:endParaRPr lang="en-CA"/>
           </a:p>
@@ -3024,7 +3024,7 @@
           <a:p>
             <a:fld id="{9EB068E3-0723-794D-A883-57A22A38AD8D}" type="datetimeFigureOut">
               <a:rPr lang="en-CA" smtClean="0"/>
-              <a:t>2021-03-23</a:t>
+              <a:t>2022-08-17</a:t>
             </a:fld>
             <a:endParaRPr lang="en-CA"/>
           </a:p>
@@ -3509,11 +3509,11 @@
   <p:clrMapOvr>
     <a:masterClrMapping/>
   </p:clrMapOvr>
-  <mc:AlternateContent xmlns:mc="http://schemas.openxmlformats.org/markup-compatibility/2006">
-    <mc:Choice xmlns:p14="http://schemas.microsoft.com/office/powerpoint/2010/main" Requires="p14">
+  <mc:AlternateContent xmlns:mc="http://schemas.openxmlformats.org/markup-compatibility/2006" xmlns:p14="http://schemas.microsoft.com/office/powerpoint/2010/main">
+    <mc:Choice Requires="p14">
       <p:transition p14:dur="0" advClick="0" advTm="1000"/>
     </mc:Choice>
-    <mc:Fallback>
+    <mc:Fallback xmlns="">
       <p:transition advClick="0" advTm="1000"/>
     </mc:Fallback>
   </mc:AlternateContent>
@@ -3577,13 +3577,13 @@
   <p:clrMapOvr>
     <a:masterClrMapping/>
   </p:clrMapOvr>
-  <mc:AlternateContent xmlns:mc="http://schemas.openxmlformats.org/markup-compatibility/2006">
-    <mc:Choice xmlns:p14="http://schemas.microsoft.com/office/powerpoint/2010/main" Requires="p14">
+  <mc:AlternateContent xmlns:mc="http://schemas.openxmlformats.org/markup-compatibility/2006" xmlns:p14="http://schemas.microsoft.com/office/powerpoint/2010/main">
+    <mc:Choice Requires="p14">
       <p:transition spd="med" p14:dur="700" advTm="3559">
         <p:fade/>
       </p:transition>
     </mc:Choice>
-    <mc:Fallback>
+    <mc:Fallback xmlns="">
       <p:transition spd="med" advTm="3559">
         <p:fade/>
       </p:transition>
@@ -3624,7 +3624,7 @@
           <p:nvPr/>
         </p:nvPicPr>
         <p:blipFill>
-          <a:blip r:embed="rId2"/>
+          <a:blip r:embed="rId4"/>
           <a:stretch>
             <a:fillRect/>
           </a:stretch>
@@ -3736,7 +3736,7 @@
         <p:spPr>
           <a:xfrm>
             <a:off x="1016000" y="5355355"/>
-            <a:ext cx="8092472" cy="646331"/>
+            <a:ext cx="8306376" cy="646331"/>
           </a:xfrm>
           <a:prstGeom prst="rect">
             <a:avLst/>
@@ -3751,7 +3751,7 @@
           <a:p>
             <a:r>
               <a:rPr lang="en-CA" sz="3600" dirty="0"/>
-              <a:t>This is what it looks like when it’s </a:t>
+              <a:t>This is what it looks like when it </a:t>
             </a:r>
             <a:r>
               <a:rPr lang="en-CA" sz="3600" b="1" dirty="0">
@@ -3759,7 +3759,7 @@
                   <a:srgbClr val="CF0000"/>
                 </a:solidFill>
               </a:rPr>
-              <a:t>inactive</a:t>
+              <a:t>doesn’t go</a:t>
             </a:r>
             <a:r>
               <a:rPr lang="en-CA" sz="3600" dirty="0"/>
@@ -3768,6 +3768,44 @@
           </a:p>
         </p:txBody>
       </p:sp>
+      <p:pic>
+        <p:nvPicPr>
+          <p:cNvPr id="3" name="contact-going-offline.mp3" descr="contact-going-offline.mp3">
+            <a:hlinkClick r:id="" action="ppaction://media"/>
+            <a:extLst>
+              <a:ext uri="{FF2B5EF4-FFF2-40B4-BE49-F238E27FC236}">
+                <a16:creationId xmlns:a16="http://schemas.microsoft.com/office/drawing/2014/main" id="{EBE5F572-E0F5-0D4D-BD92-1D3C94CE6DCE}"/>
+              </a:ext>
+            </a:extLst>
+          </p:cNvPr>
+          <p:cNvPicPr>
+            <a:picLocks noChangeAspect="1"/>
+          </p:cNvPicPr>
+          <p:nvPr>
+            <a:audioFile r:link="rId2"/>
+            <p:extLst>
+              <p:ext uri="{DAA4B4D4-6D71-4841-9C94-3DE7FCFB9230}">
+                <p14:media xmlns:p14="http://schemas.microsoft.com/office/powerpoint/2010/main" r:embed="rId1"/>
+              </p:ext>
+            </p:extLst>
+          </p:nvPr>
+        </p:nvPicPr>
+        <p:blipFill>
+          <a:blip r:embed="rId5"/>
+          <a:stretch>
+            <a:fillRect/>
+          </a:stretch>
+        </p:blipFill>
+        <p:spPr>
+          <a:xfrm>
+            <a:off x="11379200" y="6045200"/>
+            <a:ext cx="812800" cy="812800"/>
+          </a:xfrm>
+          <a:prstGeom prst="rect">
+            <a:avLst/>
+          </a:prstGeom>
+        </p:spPr>
+      </p:pic>
     </p:spTree>
     <p:extLst>
       <p:ext uri="{BB962C8B-B14F-4D97-AF65-F5344CB8AC3E}">
@@ -3911,6 +3949,32 @@
                             </p:childTnLst>
                           </p:cTn>
                         </p:par>
+                        <p:par>
+                          <p:cTn id="13" fill="hold">
+                            <p:stCondLst>
+                              <p:cond delay="3000"/>
+                            </p:stCondLst>
+                            <p:childTnLst>
+                              <p:par>
+                                <p:cTn id="14" presetID="1" presetClass="mediacall" presetSubtype="0" fill="hold" nodeType="afterEffect">
+                                  <p:stCondLst>
+                                    <p:cond delay="0"/>
+                                  </p:stCondLst>
+                                  <p:childTnLst>
+                                    <p:cmd type="call" cmd="playFrom(0.0)">
+                                      <p:cBhvr>
+                                        <p:cTn id="15" dur="1488" fill="hold"/>
+                                        <p:tgtEl>
+                                          <p:spTgt spid="3"/>
+                                        </p:tgtEl>
+                                      </p:cBhvr>
+                                    </p:cmd>
+                                  </p:childTnLst>
+                                </p:cTn>
+                              </p:par>
+                            </p:childTnLst>
+                          </p:cTn>
+                        </p:par>
                       </p:childTnLst>
                     </p:cTn>
                   </p:par>
@@ -3931,6 +3995,25 @@
                 </p:cond>
               </p:nextCondLst>
             </p:seq>
+            <p:audio>
+              <p:cMediaNode vol="80000" showWhenStopped="0">
+                <p:cTn id="16" fill="hold" display="0">
+                  <p:stCondLst>
+                    <p:cond delay="indefinite"/>
+                  </p:stCondLst>
+                  <p:endCondLst>
+                    <p:cond evt="onStopAudio" delay="0">
+                      <p:tgtEl>
+                        <p:sldTgt/>
+                      </p:tgtEl>
+                    </p:cond>
+                  </p:endCondLst>
+                </p:cTn>
+                <p:tgtEl>
+                  <p:spTgt spid="3"/>
+                </p:tgtEl>
+              </p:cMediaNode>
+            </p:audio>
           </p:childTnLst>
         </p:cTn>
       </p:par>
@@ -4086,7 +4169,7 @@
         <p:spPr>
           <a:xfrm>
             <a:off x="1016000" y="5355355"/>
-            <a:ext cx="7723781" cy="646331"/>
+            <a:ext cx="7177862" cy="646331"/>
           </a:xfrm>
           <a:prstGeom prst="rect">
             <a:avLst/>
@@ -4101,7 +4184,7 @@
           <a:p>
             <a:r>
               <a:rPr lang="en-CA" sz="3600" dirty="0"/>
-              <a:t>This is what it looks like when it’s </a:t>
+              <a:t>This is what it looks like when it </a:t>
             </a:r>
             <a:r>
               <a:rPr lang="en-CA" sz="3600" b="1" dirty="0">
@@ -4109,7 +4192,7 @@
                   <a:srgbClr val="74C33F"/>
                 </a:solidFill>
               </a:rPr>
-              <a:t>active</a:t>
+              <a:t>goes</a:t>
             </a:r>
             <a:r>
               <a:rPr lang="en-CA" sz="3600" dirty="0"/>
@@ -4458,7 +4541,7 @@
                 <a:latin typeface="Calibri" panose="020F0502020204030204" pitchFamily="34" charset="0"/>
                 <a:cs typeface="Calibri" panose="020F0502020204030204" pitchFamily="34" charset="0"/>
               </a:rPr>
-              <a:t>different trays on the machine.</a:t>
+              <a:t>different trays on the machine!</a:t>
             </a:r>
           </a:p>
         </p:txBody>
@@ -4477,8 +4560,8 @@
         </p:nvSpPr>
         <p:spPr>
           <a:xfrm>
-            <a:off x="1801138" y="1805622"/>
-            <a:ext cx="8589724" cy="4431983"/>
+            <a:off x="1288277" y="1805622"/>
+            <a:ext cx="9615453" cy="4431983"/>
           </a:xfrm>
           <a:prstGeom prst="rect">
             <a:avLst/>
@@ -4506,12 +4589,15 @@
             <a:br>
               <a:rPr lang="en-CA" sz="3600" dirty="0"/>
             </a:br>
-            <a:endParaRPr lang="en-CA" sz="3600" dirty="0"/>
-          </a:p>
-          <a:p>
             <a:r>
               <a:rPr lang="en-CA" sz="3600" dirty="0"/>
-              <a:t>							= </a:t>
+              <a:t> </a:t>
+            </a:r>
+          </a:p>
+          <a:p>
+            <a:r>
+              <a:rPr lang="en-CA" sz="3600" dirty="0"/>
+              <a:t>							     = </a:t>
             </a:r>
             <a:r>
               <a:rPr lang="en-CA" sz="3600" b="1" dirty="0">
@@ -4519,7 +4605,7 @@
                   <a:srgbClr val="CF0000"/>
                 </a:solidFill>
               </a:rPr>
-              <a:t>inactive </a:t>
+              <a:t>doesn’t go </a:t>
             </a:r>
             <a:br>
               <a:rPr lang="en-CA" sz="3600" b="1" dirty="0">
@@ -4538,7 +4624,7 @@
             <a:pPr algn="ctr"/>
             <a:r>
               <a:rPr lang="en-CA" sz="3600" dirty="0"/>
-              <a:t>						   = </a:t>
+              <a:t>						 = </a:t>
             </a:r>
             <a:r>
               <a:rPr lang="en-CA" sz="3600" b="1" dirty="0">
@@ -4546,7 +4632,7 @@
                   <a:srgbClr val="74C33F"/>
                 </a:solidFill>
               </a:rPr>
-              <a:t>active</a:t>
+              <a:t>goes</a:t>
             </a:r>
             <a:br>
               <a:rPr lang="en-CA" sz="3600" b="1" dirty="0">

--- a/trayBlicket/vid/video.pptx
+++ b/trayBlicket/vid/video.pptx
@@ -3770,11 +3770,11 @@
       </p:sp>
       <p:pic>
         <p:nvPicPr>
-          <p:cNvPr id="3" name="contact-going-offline.mp3" descr="contact-going-offline.mp3">
+          <p:cNvPr id="6" name="wrongsound.mp3" descr="wrongsound.mp3">
             <a:hlinkClick r:id="" action="ppaction://media"/>
             <a:extLst>
               <a:ext uri="{FF2B5EF4-FFF2-40B4-BE49-F238E27FC236}">
-                <a16:creationId xmlns:a16="http://schemas.microsoft.com/office/drawing/2014/main" id="{EBE5F572-E0F5-0D4D-BD92-1D3C94CE6DCE}"/>
+                <a16:creationId xmlns:a16="http://schemas.microsoft.com/office/drawing/2014/main" id="{C77251AD-874A-B840-92F2-5A88B07DFA73}"/>
               </a:ext>
             </a:extLst>
           </p:cNvPr>
@@ -3965,7 +3965,7 @@
                                       <p:cBhvr>
                                         <p:cTn id="15" dur="1488" fill="hold"/>
                                         <p:tgtEl>
-                                          <p:spTgt spid="3"/>
+                                          <p:spTgt spid="6"/>
                                         </p:tgtEl>
                                       </p:cBhvr>
                                     </p:cmd>
@@ -4010,7 +4010,7 @@
                   </p:endCondLst>
                 </p:cTn>
                 <p:tgtEl>
-                  <p:spTgt spid="3"/>
+                  <p:spTgt spid="6"/>
                 </p:tgtEl>
               </p:cMediaNode>
             </p:audio>

--- a/trayBlicket/vid/video.pptx
+++ b/trayBlicket/vid/video.pptx
@@ -267,7 +267,7 @@
           <a:p>
             <a:fld id="{9EB068E3-0723-794D-A883-57A22A38AD8D}" type="datetimeFigureOut">
               <a:rPr lang="en-CA" smtClean="0"/>
-              <a:t>2022-08-17</a:t>
+              <a:t>2021-03-23</a:t>
             </a:fld>
             <a:endParaRPr lang="en-CA"/>
           </a:p>
@@ -475,7 +475,7 @@
           <a:p>
             <a:fld id="{9EB068E3-0723-794D-A883-57A22A38AD8D}" type="datetimeFigureOut">
               <a:rPr lang="en-CA" smtClean="0"/>
-              <a:t>2022-08-17</a:t>
+              <a:t>2021-03-23</a:t>
             </a:fld>
             <a:endParaRPr lang="en-CA"/>
           </a:p>
@@ -693,7 +693,7 @@
           <a:p>
             <a:fld id="{9EB068E3-0723-794D-A883-57A22A38AD8D}" type="datetimeFigureOut">
               <a:rPr lang="en-CA" smtClean="0"/>
-              <a:t>2022-08-17</a:t>
+              <a:t>2021-03-23</a:t>
             </a:fld>
             <a:endParaRPr lang="en-CA"/>
           </a:p>
@@ -901,7 +901,7 @@
           <a:p>
             <a:fld id="{9EB068E3-0723-794D-A883-57A22A38AD8D}" type="datetimeFigureOut">
               <a:rPr lang="en-CA" smtClean="0"/>
-              <a:t>2022-08-17</a:t>
+              <a:t>2021-03-23</a:t>
             </a:fld>
             <a:endParaRPr lang="en-CA"/>
           </a:p>
@@ -1185,7 +1185,7 @@
           <a:p>
             <a:fld id="{9EB068E3-0723-794D-A883-57A22A38AD8D}" type="datetimeFigureOut">
               <a:rPr lang="en-CA" smtClean="0"/>
-              <a:t>2022-08-17</a:t>
+              <a:t>2021-03-23</a:t>
             </a:fld>
             <a:endParaRPr lang="en-CA"/>
           </a:p>
@@ -1461,7 +1461,7 @@
           <a:p>
             <a:fld id="{9EB068E3-0723-794D-A883-57A22A38AD8D}" type="datetimeFigureOut">
               <a:rPr lang="en-CA" smtClean="0"/>
-              <a:t>2022-08-17</a:t>
+              <a:t>2021-03-23</a:t>
             </a:fld>
             <a:endParaRPr lang="en-CA"/>
           </a:p>
@@ -1884,7 +1884,7 @@
           <a:p>
             <a:fld id="{9EB068E3-0723-794D-A883-57A22A38AD8D}" type="datetimeFigureOut">
               <a:rPr lang="en-CA" smtClean="0"/>
-              <a:t>2022-08-17</a:t>
+              <a:t>2021-03-23</a:t>
             </a:fld>
             <a:endParaRPr lang="en-CA"/>
           </a:p>
@@ -2034,7 +2034,7 @@
           <a:p>
             <a:fld id="{9EB068E3-0723-794D-A883-57A22A38AD8D}" type="datetimeFigureOut">
               <a:rPr lang="en-CA" smtClean="0"/>
-              <a:t>2022-08-17</a:t>
+              <a:t>2021-03-23</a:t>
             </a:fld>
             <a:endParaRPr lang="en-CA"/>
           </a:p>
@@ -2155,7 +2155,7 @@
           <a:p>
             <a:fld id="{9EB068E3-0723-794D-A883-57A22A38AD8D}" type="datetimeFigureOut">
               <a:rPr lang="en-CA" smtClean="0"/>
-              <a:t>2022-08-17</a:t>
+              <a:t>2021-03-23</a:t>
             </a:fld>
             <a:endParaRPr lang="en-CA"/>
           </a:p>
@@ -2476,7 +2476,7 @@
           <a:p>
             <a:fld id="{9EB068E3-0723-794D-A883-57A22A38AD8D}" type="datetimeFigureOut">
               <a:rPr lang="en-CA" smtClean="0"/>
-              <a:t>2022-08-17</a:t>
+              <a:t>2021-03-23</a:t>
             </a:fld>
             <a:endParaRPr lang="en-CA"/>
           </a:p>
@@ -2773,7 +2773,7 @@
           <a:p>
             <a:fld id="{9EB068E3-0723-794D-A883-57A22A38AD8D}" type="datetimeFigureOut">
               <a:rPr lang="en-CA" smtClean="0"/>
-              <a:t>2022-08-17</a:t>
+              <a:t>2021-03-23</a:t>
             </a:fld>
             <a:endParaRPr lang="en-CA"/>
           </a:p>
@@ -3024,7 +3024,7 @@
           <a:p>
             <a:fld id="{9EB068E3-0723-794D-A883-57A22A38AD8D}" type="datetimeFigureOut">
               <a:rPr lang="en-CA" smtClean="0"/>
-              <a:t>2022-08-17</a:t>
+              <a:t>2021-03-23</a:t>
             </a:fld>
             <a:endParaRPr lang="en-CA"/>
           </a:p>
@@ -3509,11 +3509,11 @@
   <p:clrMapOvr>
     <a:masterClrMapping/>
   </p:clrMapOvr>
-  <mc:AlternateContent xmlns:mc="http://schemas.openxmlformats.org/markup-compatibility/2006" xmlns:p14="http://schemas.microsoft.com/office/powerpoint/2010/main">
-    <mc:Choice Requires="p14">
+  <mc:AlternateContent xmlns:mc="http://schemas.openxmlformats.org/markup-compatibility/2006">
+    <mc:Choice xmlns:p14="http://schemas.microsoft.com/office/powerpoint/2010/main" Requires="p14">
       <p:transition p14:dur="0" advClick="0" advTm="1000"/>
     </mc:Choice>
-    <mc:Fallback xmlns="">
+    <mc:Fallback>
       <p:transition advClick="0" advTm="1000"/>
     </mc:Fallback>
   </mc:AlternateContent>
@@ -3577,13 +3577,13 @@
   <p:clrMapOvr>
     <a:masterClrMapping/>
   </p:clrMapOvr>
-  <mc:AlternateContent xmlns:mc="http://schemas.openxmlformats.org/markup-compatibility/2006" xmlns:p14="http://schemas.microsoft.com/office/powerpoint/2010/main">
-    <mc:Choice Requires="p14">
+  <mc:AlternateContent xmlns:mc="http://schemas.openxmlformats.org/markup-compatibility/2006">
+    <mc:Choice xmlns:p14="http://schemas.microsoft.com/office/powerpoint/2010/main" Requires="p14">
       <p:transition spd="med" p14:dur="700" advTm="3559">
         <p:fade/>
       </p:transition>
     </mc:Choice>
-    <mc:Fallback xmlns="">
+    <mc:Fallback>
       <p:transition spd="med" advTm="3559">
         <p:fade/>
       </p:transition>
@@ -3624,7 +3624,7 @@
           <p:nvPr/>
         </p:nvPicPr>
         <p:blipFill>
-          <a:blip r:embed="rId4"/>
+          <a:blip r:embed="rId2"/>
           <a:stretch>
             <a:fillRect/>
           </a:stretch>
@@ -3736,7 +3736,7 @@
         <p:spPr>
           <a:xfrm>
             <a:off x="1016000" y="5355355"/>
-            <a:ext cx="8306376" cy="646331"/>
+            <a:ext cx="8092472" cy="646331"/>
           </a:xfrm>
           <a:prstGeom prst="rect">
             <a:avLst/>
@@ -3751,7 +3751,7 @@
           <a:p>
             <a:r>
               <a:rPr lang="en-CA" sz="3600" dirty="0"/>
-              <a:t>This is what it looks like when it </a:t>
+              <a:t>This is what it looks like when it’s </a:t>
             </a:r>
             <a:r>
               <a:rPr lang="en-CA" sz="3600" b="1" dirty="0">
@@ -3759,7 +3759,7 @@
                   <a:srgbClr val="CF0000"/>
                 </a:solidFill>
               </a:rPr>
-              <a:t>doesn’t go</a:t>
+              <a:t>inactive</a:t>
             </a:r>
             <a:r>
               <a:rPr lang="en-CA" sz="3600" dirty="0"/>
@@ -3768,44 +3768,6 @@
           </a:p>
         </p:txBody>
       </p:sp>
-      <p:pic>
-        <p:nvPicPr>
-          <p:cNvPr id="6" name="wrongsound.mp3" descr="wrongsound.mp3">
-            <a:hlinkClick r:id="" action="ppaction://media"/>
-            <a:extLst>
-              <a:ext uri="{FF2B5EF4-FFF2-40B4-BE49-F238E27FC236}">
-                <a16:creationId xmlns:a16="http://schemas.microsoft.com/office/drawing/2014/main" id="{C77251AD-874A-B840-92F2-5A88B07DFA73}"/>
-              </a:ext>
-            </a:extLst>
-          </p:cNvPr>
-          <p:cNvPicPr>
-            <a:picLocks noChangeAspect="1"/>
-          </p:cNvPicPr>
-          <p:nvPr>
-            <a:audioFile r:link="rId2"/>
-            <p:extLst>
-              <p:ext uri="{DAA4B4D4-6D71-4841-9C94-3DE7FCFB9230}">
-                <p14:media xmlns:p14="http://schemas.microsoft.com/office/powerpoint/2010/main" r:embed="rId1"/>
-              </p:ext>
-            </p:extLst>
-          </p:nvPr>
-        </p:nvPicPr>
-        <p:blipFill>
-          <a:blip r:embed="rId5"/>
-          <a:stretch>
-            <a:fillRect/>
-          </a:stretch>
-        </p:blipFill>
-        <p:spPr>
-          <a:xfrm>
-            <a:off x="11379200" y="6045200"/>
-            <a:ext cx="812800" cy="812800"/>
-          </a:xfrm>
-          <a:prstGeom prst="rect">
-            <a:avLst/>
-          </a:prstGeom>
-        </p:spPr>
-      </p:pic>
     </p:spTree>
     <p:extLst>
       <p:ext uri="{BB962C8B-B14F-4D97-AF65-F5344CB8AC3E}">
@@ -3949,32 +3911,6 @@
                             </p:childTnLst>
                           </p:cTn>
                         </p:par>
-                        <p:par>
-                          <p:cTn id="13" fill="hold">
-                            <p:stCondLst>
-                              <p:cond delay="3000"/>
-                            </p:stCondLst>
-                            <p:childTnLst>
-                              <p:par>
-                                <p:cTn id="14" presetID="1" presetClass="mediacall" presetSubtype="0" fill="hold" nodeType="afterEffect">
-                                  <p:stCondLst>
-                                    <p:cond delay="0"/>
-                                  </p:stCondLst>
-                                  <p:childTnLst>
-                                    <p:cmd type="call" cmd="playFrom(0.0)">
-                                      <p:cBhvr>
-                                        <p:cTn id="15" dur="1488" fill="hold"/>
-                                        <p:tgtEl>
-                                          <p:spTgt spid="6"/>
-                                        </p:tgtEl>
-                                      </p:cBhvr>
-                                    </p:cmd>
-                                  </p:childTnLst>
-                                </p:cTn>
-                              </p:par>
-                            </p:childTnLst>
-                          </p:cTn>
-                        </p:par>
                       </p:childTnLst>
                     </p:cTn>
                   </p:par>
@@ -3995,25 +3931,6 @@
                 </p:cond>
               </p:nextCondLst>
             </p:seq>
-            <p:audio>
-              <p:cMediaNode vol="80000" showWhenStopped="0">
-                <p:cTn id="16" fill="hold" display="0">
-                  <p:stCondLst>
-                    <p:cond delay="indefinite"/>
-                  </p:stCondLst>
-                  <p:endCondLst>
-                    <p:cond evt="onStopAudio" delay="0">
-                      <p:tgtEl>
-                        <p:sldTgt/>
-                      </p:tgtEl>
-                    </p:cond>
-                  </p:endCondLst>
-                </p:cTn>
-                <p:tgtEl>
-                  <p:spTgt spid="6"/>
-                </p:tgtEl>
-              </p:cMediaNode>
-            </p:audio>
           </p:childTnLst>
         </p:cTn>
       </p:par>
@@ -4169,7 +4086,7 @@
         <p:spPr>
           <a:xfrm>
             <a:off x="1016000" y="5355355"/>
-            <a:ext cx="7177862" cy="646331"/>
+            <a:ext cx="7723781" cy="646331"/>
           </a:xfrm>
           <a:prstGeom prst="rect">
             <a:avLst/>
@@ -4184,7 +4101,7 @@
           <a:p>
             <a:r>
               <a:rPr lang="en-CA" sz="3600" dirty="0"/>
-              <a:t>This is what it looks like when it </a:t>
+              <a:t>This is what it looks like when it’s </a:t>
             </a:r>
             <a:r>
               <a:rPr lang="en-CA" sz="3600" b="1" dirty="0">
@@ -4192,7 +4109,7 @@
                   <a:srgbClr val="74C33F"/>
                 </a:solidFill>
               </a:rPr>
-              <a:t>goes</a:t>
+              <a:t>active</a:t>
             </a:r>
             <a:r>
               <a:rPr lang="en-CA" sz="3600" dirty="0"/>
@@ -4541,7 +4458,7 @@
                 <a:latin typeface="Calibri" panose="020F0502020204030204" pitchFamily="34" charset="0"/>
                 <a:cs typeface="Calibri" panose="020F0502020204030204" pitchFamily="34" charset="0"/>
               </a:rPr>
-              <a:t>different trays on the machine!</a:t>
+              <a:t>different trays on the machine.</a:t>
             </a:r>
           </a:p>
         </p:txBody>
@@ -4560,8 +4477,8 @@
         </p:nvSpPr>
         <p:spPr>
           <a:xfrm>
-            <a:off x="1288277" y="1805622"/>
-            <a:ext cx="9615453" cy="4431983"/>
+            <a:off x="1801138" y="1805622"/>
+            <a:ext cx="8589724" cy="4431983"/>
           </a:xfrm>
           <a:prstGeom prst="rect">
             <a:avLst/>
@@ -4589,15 +4506,12 @@
             <a:br>
               <a:rPr lang="en-CA" sz="3600" dirty="0"/>
             </a:br>
+            <a:endParaRPr lang="en-CA" sz="3600" dirty="0"/>
+          </a:p>
+          <a:p>
             <a:r>
               <a:rPr lang="en-CA" sz="3600" dirty="0"/>
-              <a:t> </a:t>
-            </a:r>
-          </a:p>
-          <a:p>
-            <a:r>
-              <a:rPr lang="en-CA" sz="3600" dirty="0"/>
-              <a:t>							     = </a:t>
+              <a:t>							= </a:t>
             </a:r>
             <a:r>
               <a:rPr lang="en-CA" sz="3600" b="1" dirty="0">
@@ -4605,7 +4519,7 @@
                   <a:srgbClr val="CF0000"/>
                 </a:solidFill>
               </a:rPr>
-              <a:t>doesn’t go </a:t>
+              <a:t>inactive </a:t>
             </a:r>
             <a:br>
               <a:rPr lang="en-CA" sz="3600" b="1" dirty="0">
@@ -4624,7 +4538,7 @@
             <a:pPr algn="ctr"/>
             <a:r>
               <a:rPr lang="en-CA" sz="3600" dirty="0"/>
-              <a:t>						 = </a:t>
+              <a:t>						   = </a:t>
             </a:r>
             <a:r>
               <a:rPr lang="en-CA" sz="3600" b="1" dirty="0">
@@ -4632,7 +4546,7 @@
                   <a:srgbClr val="74C33F"/>
                 </a:solidFill>
               </a:rPr>
-              <a:t>goes</a:t>
+              <a:t>active</a:t>
             </a:r>
             <a:br>
               <a:rPr lang="en-CA" sz="3600" b="1" dirty="0">

--- a/trayBlicket/vid/video.pptx
+++ b/trayBlicket/vid/video.pptx
@@ -267,7 +267,7 @@
           <a:p>
             <a:fld id="{9EB068E3-0723-794D-A883-57A22A38AD8D}" type="datetimeFigureOut">
               <a:rPr lang="en-CA" smtClean="0"/>
-              <a:t>2021-03-23</a:t>
+              <a:t>2023-04-03</a:t>
             </a:fld>
             <a:endParaRPr lang="en-CA"/>
           </a:p>
@@ -475,7 +475,7 @@
           <a:p>
             <a:fld id="{9EB068E3-0723-794D-A883-57A22A38AD8D}" type="datetimeFigureOut">
               <a:rPr lang="en-CA" smtClean="0"/>
-              <a:t>2021-03-23</a:t>
+              <a:t>2023-04-03</a:t>
             </a:fld>
             <a:endParaRPr lang="en-CA"/>
           </a:p>
@@ -693,7 +693,7 @@
           <a:p>
             <a:fld id="{9EB068E3-0723-794D-A883-57A22A38AD8D}" type="datetimeFigureOut">
               <a:rPr lang="en-CA" smtClean="0"/>
-              <a:t>2021-03-23</a:t>
+              <a:t>2023-04-03</a:t>
             </a:fld>
             <a:endParaRPr lang="en-CA"/>
           </a:p>
@@ -901,7 +901,7 @@
           <a:p>
             <a:fld id="{9EB068E3-0723-794D-A883-57A22A38AD8D}" type="datetimeFigureOut">
               <a:rPr lang="en-CA" smtClean="0"/>
-              <a:t>2021-03-23</a:t>
+              <a:t>2023-04-03</a:t>
             </a:fld>
             <a:endParaRPr lang="en-CA"/>
           </a:p>
@@ -1185,7 +1185,7 @@
           <a:p>
             <a:fld id="{9EB068E3-0723-794D-A883-57A22A38AD8D}" type="datetimeFigureOut">
               <a:rPr lang="en-CA" smtClean="0"/>
-              <a:t>2021-03-23</a:t>
+              <a:t>2023-04-03</a:t>
             </a:fld>
             <a:endParaRPr lang="en-CA"/>
           </a:p>
@@ -1461,7 +1461,7 @@
           <a:p>
             <a:fld id="{9EB068E3-0723-794D-A883-57A22A38AD8D}" type="datetimeFigureOut">
               <a:rPr lang="en-CA" smtClean="0"/>
-              <a:t>2021-03-23</a:t>
+              <a:t>2023-04-03</a:t>
             </a:fld>
             <a:endParaRPr lang="en-CA"/>
           </a:p>
@@ -1884,7 +1884,7 @@
           <a:p>
             <a:fld id="{9EB068E3-0723-794D-A883-57A22A38AD8D}" type="datetimeFigureOut">
               <a:rPr lang="en-CA" smtClean="0"/>
-              <a:t>2021-03-23</a:t>
+              <a:t>2023-04-03</a:t>
             </a:fld>
             <a:endParaRPr lang="en-CA"/>
           </a:p>
@@ -2034,7 +2034,7 @@
           <a:p>
             <a:fld id="{9EB068E3-0723-794D-A883-57A22A38AD8D}" type="datetimeFigureOut">
               <a:rPr lang="en-CA" smtClean="0"/>
-              <a:t>2021-03-23</a:t>
+              <a:t>2023-04-03</a:t>
             </a:fld>
             <a:endParaRPr lang="en-CA"/>
           </a:p>
@@ -2155,7 +2155,7 @@
           <a:p>
             <a:fld id="{9EB068E3-0723-794D-A883-57A22A38AD8D}" type="datetimeFigureOut">
               <a:rPr lang="en-CA" smtClean="0"/>
-              <a:t>2021-03-23</a:t>
+              <a:t>2023-04-03</a:t>
             </a:fld>
             <a:endParaRPr lang="en-CA"/>
           </a:p>
@@ -2476,7 +2476,7 @@
           <a:p>
             <a:fld id="{9EB068E3-0723-794D-A883-57A22A38AD8D}" type="datetimeFigureOut">
               <a:rPr lang="en-CA" smtClean="0"/>
-              <a:t>2021-03-23</a:t>
+              <a:t>2023-04-03</a:t>
             </a:fld>
             <a:endParaRPr lang="en-CA"/>
           </a:p>
@@ -2773,7 +2773,7 @@
           <a:p>
             <a:fld id="{9EB068E3-0723-794D-A883-57A22A38AD8D}" type="datetimeFigureOut">
               <a:rPr lang="en-CA" smtClean="0"/>
-              <a:t>2021-03-23</a:t>
+              <a:t>2023-04-03</a:t>
             </a:fld>
             <a:endParaRPr lang="en-CA"/>
           </a:p>
@@ -3024,7 +3024,7 @@
           <a:p>
             <a:fld id="{9EB068E3-0723-794D-A883-57A22A38AD8D}" type="datetimeFigureOut">
               <a:rPr lang="en-CA" smtClean="0"/>
-              <a:t>2021-03-23</a:t>
+              <a:t>2023-04-03</a:t>
             </a:fld>
             <a:endParaRPr lang="en-CA"/>
           </a:p>
@@ -3509,11 +3509,11 @@
   <p:clrMapOvr>
     <a:masterClrMapping/>
   </p:clrMapOvr>
-  <mc:AlternateContent xmlns:mc="http://schemas.openxmlformats.org/markup-compatibility/2006">
-    <mc:Choice xmlns:p14="http://schemas.microsoft.com/office/powerpoint/2010/main" Requires="p14">
+  <mc:AlternateContent xmlns:mc="http://schemas.openxmlformats.org/markup-compatibility/2006" xmlns:p14="http://schemas.microsoft.com/office/powerpoint/2010/main">
+    <mc:Choice Requires="p14">
       <p:transition p14:dur="0" advClick="0" advTm="1000"/>
     </mc:Choice>
-    <mc:Fallback>
+    <mc:Fallback xmlns="">
       <p:transition advClick="0" advTm="1000"/>
     </mc:Fallback>
   </mc:AlternateContent>
@@ -3577,13 +3577,13 @@
   <p:clrMapOvr>
     <a:masterClrMapping/>
   </p:clrMapOvr>
-  <mc:AlternateContent xmlns:mc="http://schemas.openxmlformats.org/markup-compatibility/2006">
-    <mc:Choice xmlns:p14="http://schemas.microsoft.com/office/powerpoint/2010/main" Requires="p14">
+  <mc:AlternateContent xmlns:mc="http://schemas.openxmlformats.org/markup-compatibility/2006" xmlns:p14="http://schemas.microsoft.com/office/powerpoint/2010/main">
+    <mc:Choice Requires="p14">
       <p:transition spd="med" p14:dur="700" advTm="3559">
         <p:fade/>
       </p:transition>
     </mc:Choice>
-    <mc:Fallback>
+    <mc:Fallback xmlns="">
       <p:transition spd="med" advTm="3559">
         <p:fade/>
       </p:transition>
@@ -3736,7 +3736,7 @@
         <p:spPr>
           <a:xfrm>
             <a:off x="1016000" y="5355355"/>
-            <a:ext cx="8092472" cy="646331"/>
+            <a:ext cx="8306376" cy="646331"/>
           </a:xfrm>
           <a:prstGeom prst="rect">
             <a:avLst/>
@@ -3751,7 +3751,7 @@
           <a:p>
             <a:r>
               <a:rPr lang="en-CA" sz="3600" dirty="0"/>
-              <a:t>This is what it looks like when it’s </a:t>
+              <a:t>This is what it looks like when it </a:t>
             </a:r>
             <a:r>
               <a:rPr lang="en-CA" sz="3600" b="1" dirty="0">
@@ -3759,7 +3759,7 @@
                   <a:srgbClr val="CF0000"/>
                 </a:solidFill>
               </a:rPr>
-              <a:t>inactive</a:t>
+              <a:t>doesn’t go</a:t>
             </a:r>
             <a:r>
               <a:rPr lang="en-CA" sz="3600" dirty="0"/>
@@ -3975,7 +3975,7 @@
           <p:nvPr/>
         </p:nvPicPr>
         <p:blipFill>
-          <a:blip r:embed="rId4"/>
+          <a:blip r:embed="rId2"/>
           <a:srcRect/>
           <a:stretch/>
         </p:blipFill>
@@ -4086,7 +4086,7 @@
         <p:spPr>
           <a:xfrm>
             <a:off x="1016000" y="5355355"/>
-            <a:ext cx="7723781" cy="646331"/>
+            <a:ext cx="7462299" cy="646331"/>
           </a:xfrm>
           <a:prstGeom prst="rect">
             <a:avLst/>
@@ -4101,7 +4101,7 @@
           <a:p>
             <a:r>
               <a:rPr lang="en-CA" sz="3600" dirty="0"/>
-              <a:t>This is what it looks like when it’s </a:t>
+              <a:t>This is what it looks like when it </a:t>
             </a:r>
             <a:r>
               <a:rPr lang="en-CA" sz="3600" b="1" dirty="0">
@@ -4109,7 +4109,7 @@
                   <a:srgbClr val="74C33F"/>
                 </a:solidFill>
               </a:rPr>
-              <a:t>active</a:t>
+              <a:t>goes</a:t>
             </a:r>
             <a:r>
               <a:rPr lang="en-CA" sz="3600" dirty="0"/>
@@ -4118,44 +4118,6 @@
           </a:p>
         </p:txBody>
       </p:sp>
-      <p:pic>
-        <p:nvPicPr>
-          <p:cNvPr id="7" name="blicketsound.mp3" descr="blicketsound.mp3">
-            <a:hlinkClick r:id="" action="ppaction://media"/>
-            <a:extLst>
-              <a:ext uri="{FF2B5EF4-FFF2-40B4-BE49-F238E27FC236}">
-                <a16:creationId xmlns:a16="http://schemas.microsoft.com/office/drawing/2014/main" id="{ADF12E3E-98EA-7147-BFC7-121389FF365A}"/>
-              </a:ext>
-            </a:extLst>
-          </p:cNvPr>
-          <p:cNvPicPr>
-            <a:picLocks noChangeAspect="1"/>
-          </p:cNvPicPr>
-          <p:nvPr>
-            <a:audioFile r:link="rId2"/>
-            <p:extLst>
-              <p:ext uri="{DAA4B4D4-6D71-4841-9C94-3DE7FCFB9230}">
-                <p14:media xmlns:p14="http://schemas.microsoft.com/office/powerpoint/2010/main" r:embed="rId1"/>
-              </p:ext>
-            </p:extLst>
-          </p:nvPr>
-        </p:nvPicPr>
-        <p:blipFill>
-          <a:blip r:embed="rId5"/>
-          <a:stretch>
-            <a:fillRect/>
-          </a:stretch>
-        </p:blipFill>
-        <p:spPr>
-          <a:xfrm>
-            <a:off x="11186757" y="6001686"/>
-            <a:ext cx="812800" cy="812800"/>
-          </a:xfrm>
-          <a:prstGeom prst="rect">
-            <a:avLst/>
-          </a:prstGeom>
-        </p:spPr>
-      </p:pic>
     </p:spTree>
     <p:extLst>
       <p:ext uri="{BB962C8B-B14F-4D97-AF65-F5344CB8AC3E}">
@@ -4174,93 +4136,6 @@
       <p:transition advTm="4000"/>
     </mc:Fallback>
   </mc:AlternateContent>
-  <p:timing>
-    <p:tnLst>
-      <p:par>
-        <p:cTn id="1" dur="indefinite" restart="never" nodeType="tmRoot">
-          <p:childTnLst>
-            <p:seq concurrent="1" nextAc="seek">
-              <p:cTn id="2" dur="indefinite" nodeType="mainSeq">
-                <p:childTnLst>
-                  <p:par>
-                    <p:cTn id="3" fill="hold">
-                      <p:stCondLst>
-                        <p:cond delay="indefinite"/>
-                        <p:cond evt="onBegin" delay="0">
-                          <p:tn val="2"/>
-                        </p:cond>
-                      </p:stCondLst>
-                      <p:childTnLst>
-                        <p:par>
-                          <p:cTn id="4" fill="hold">
-                            <p:stCondLst>
-                              <p:cond delay="0"/>
-                            </p:stCondLst>
-                            <p:childTnLst>
-                              <p:par>
-                                <p:cTn id="5" presetID="1" presetClass="mediacall" presetSubtype="0" fill="hold" nodeType="afterEffect">
-                                  <p:stCondLst>
-                                    <p:cond delay="0"/>
-                                  </p:stCondLst>
-                                  <p:childTnLst>
-                                    <p:cmd type="call" cmd="playFrom(0.0)">
-                                      <p:cBhvr>
-                                        <p:cTn id="6" dur="2037" fill="hold"/>
-                                        <p:tgtEl>
-                                          <p:spTgt spid="7"/>
-                                        </p:tgtEl>
-                                      </p:cBhvr>
-                                    </p:cmd>
-                                  </p:childTnLst>
-                                </p:cTn>
-                              </p:par>
-                            </p:childTnLst>
-                          </p:cTn>
-                        </p:par>
-                      </p:childTnLst>
-                    </p:cTn>
-                  </p:par>
-                </p:childTnLst>
-              </p:cTn>
-              <p:prevCondLst>
-                <p:cond evt="onPrev" delay="0">
-                  <p:tgtEl>
-                    <p:sldTgt/>
-                  </p:tgtEl>
-                </p:cond>
-              </p:prevCondLst>
-              <p:nextCondLst>
-                <p:cond evt="onNext" delay="0">
-                  <p:tgtEl>
-                    <p:sldTgt/>
-                  </p:tgtEl>
-                </p:cond>
-              </p:nextCondLst>
-            </p:seq>
-            <p:audio>
-              <p:cMediaNode vol="80000" showWhenStopped="0">
-                <p:cTn id="7" fill="hold" display="0">
-                  <p:stCondLst>
-                    <p:cond delay="indefinite"/>
-                  </p:stCondLst>
-                  <p:endCondLst>
-                    <p:cond evt="onStopAudio" delay="0">
-                      <p:tgtEl>
-                        <p:sldTgt/>
-                      </p:tgtEl>
-                    </p:cond>
-                  </p:endCondLst>
-                </p:cTn>
-                <p:tgtEl>
-                  <p:spTgt spid="7"/>
-                </p:tgtEl>
-              </p:cMediaNode>
-            </p:audio>
-          </p:childTnLst>
-        </p:cTn>
-      </p:par>
-    </p:tnLst>
-  </p:timing>
   <p:extLst>
     <p:ext uri="{E180D4A7-C9FB-4DFB-919C-405C955672EB}">
       <p14:showEvtLst xmlns:p14="http://schemas.microsoft.com/office/powerpoint/2010/main">
@@ -4477,8 +4352,8 @@
         </p:nvSpPr>
         <p:spPr>
           <a:xfrm>
-            <a:off x="1801138" y="1805622"/>
-            <a:ext cx="8589724" cy="4431983"/>
+            <a:off x="1496667" y="1805622"/>
+            <a:ext cx="9198672" cy="4431983"/>
           </a:xfrm>
           <a:prstGeom prst="rect">
             <a:avLst/>
@@ -4511,7 +4386,7 @@
           <a:p>
             <a:r>
               <a:rPr lang="en-CA" sz="3600" dirty="0"/>
-              <a:t>							= </a:t>
+              <a:t>							 = </a:t>
             </a:r>
             <a:r>
               <a:rPr lang="en-CA" sz="3600" b="1" dirty="0">
@@ -4519,7 +4394,7 @@
                   <a:srgbClr val="CF0000"/>
                 </a:solidFill>
               </a:rPr>
-              <a:t>inactive </a:t>
+              <a:t>doesn’t go </a:t>
             </a:r>
             <a:br>
               <a:rPr lang="en-CA" sz="3600" b="1" dirty="0">
@@ -4546,7 +4421,7 @@
                   <a:srgbClr val="74C33F"/>
                 </a:solidFill>
               </a:rPr>
-              <a:t>active</a:t>
+              <a:t>does go</a:t>
             </a:r>
             <a:br>
               <a:rPr lang="en-CA" sz="3600" b="1" dirty="0">
